--- a/Presentations/MLOPs.pptx
+++ b/Presentations/MLOPs.pptx
@@ -5,7 +5,7 @@
     <p:sldMasterId id="2147483660" r:id="rId1"/>
   </p:sldMasterIdLst>
   <p:notesMasterIdLst>
-    <p:notesMasterId r:id="rId11"/>
+    <p:notesMasterId r:id="rId12"/>
   </p:notesMasterIdLst>
   <p:sldIdLst>
     <p:sldId id="372" r:id="rId2"/>
@@ -17,6 +17,7 @@
     <p:sldId id="374" r:id="rId8"/>
     <p:sldId id="375" r:id="rId9"/>
     <p:sldId id="376" r:id="rId10"/>
+    <p:sldId id="377" r:id="rId11"/>
   </p:sldIdLst>
   <p:sldSz cx="12192000" cy="6858000"/>
   <p:notesSz cx="6858000" cy="9144000"/>
@@ -115,6 +116,11 @@
       </a:defRPr>
     </a:lvl9pPr>
   </p:defaultTextStyle>
+  <p:extLst>
+    <p:ext uri="{EFAFB233-063F-42B5-8137-9DF3F51BA10A}">
+      <p15:sldGuideLst xmlns:p15="http://schemas.microsoft.com/office/powerpoint/2012/main"/>
+    </p:ext>
+  </p:extLst>
 </p:presentation>
 </file>
 
@@ -200,7 +206,7 @@
           <a:p>
             <a:fld id="{E4AC6866-42FA-450A-8F92-1D345E932022}" type="datetimeFigureOut">
               <a:rPr lang="en-IN" smtClean="0"/>
-              <a:t>03-03-2025</a:t>
+              <a:t>04-03-2025</a:t>
             </a:fld>
             <a:endParaRPr lang="en-IN"/>
           </a:p>
@@ -1344,7 +1350,7 @@
             <a:fld id="{E287B66F-9891-45E6-8A3A-0EF4098B0646}" type="datetimeFigureOut">
               <a:rPr lang="en-US" smtClean="0"/>
               <a:pPr/>
-              <a:t>3/3/2025</a:t>
+              <a:t>3/4/2025</a:t>
             </a:fld>
             <a:endParaRPr lang="en-GB"/>
           </a:p>
@@ -1533,7 +1539,7 @@
             <a:fld id="{E287B66F-9891-45E6-8A3A-0EF4098B0646}" type="datetimeFigureOut">
               <a:rPr lang="en-US" smtClean="0"/>
               <a:pPr/>
-              <a:t>3/3/2025</a:t>
+              <a:t>3/4/2025</a:t>
             </a:fld>
             <a:endParaRPr lang="en-GB"/>
           </a:p>
@@ -1714,7 +1720,7 @@
             <a:fld id="{E287B66F-9891-45E6-8A3A-0EF4098B0646}" type="datetimeFigureOut">
               <a:rPr lang="en-US" smtClean="0"/>
               <a:pPr/>
-              <a:t>3/3/2025</a:t>
+              <a:t>3/4/2025</a:t>
             </a:fld>
             <a:endParaRPr lang="en-GB"/>
           </a:p>
@@ -1885,7 +1891,7 @@
             <a:fld id="{E287B66F-9891-45E6-8A3A-0EF4098B0646}" type="datetimeFigureOut">
               <a:rPr lang="en-US" smtClean="0"/>
               <a:pPr/>
-              <a:t>3/3/2025</a:t>
+              <a:t>3/4/2025</a:t>
             </a:fld>
             <a:endParaRPr lang="en-GB"/>
           </a:p>
@@ -2112,7 +2118,7 @@
             <a:fld id="{E287B66F-9891-45E6-8A3A-0EF4098B0646}" type="datetimeFigureOut">
               <a:rPr lang="en-US" smtClean="0"/>
               <a:pPr/>
-              <a:t>3/3/2025</a:t>
+              <a:t>3/4/2025</a:t>
             </a:fld>
             <a:endParaRPr lang="en-GB"/>
           </a:p>
@@ -2377,7 +2383,7 @@
             <a:fld id="{E287B66F-9891-45E6-8A3A-0EF4098B0646}" type="datetimeFigureOut">
               <a:rPr lang="en-US" smtClean="0"/>
               <a:pPr/>
-              <a:t>3/3/2025</a:t>
+              <a:t>3/4/2025</a:t>
             </a:fld>
             <a:endParaRPr lang="en-GB"/>
           </a:p>
@@ -2787,7 +2793,7 @@
             <a:fld id="{E287B66F-9891-45E6-8A3A-0EF4098B0646}" type="datetimeFigureOut">
               <a:rPr lang="en-US" smtClean="0"/>
               <a:pPr/>
-              <a:t>3/3/2025</a:t>
+              <a:t>3/4/2025</a:t>
             </a:fld>
             <a:endParaRPr lang="en-GB"/>
           </a:p>
@@ -2924,7 +2930,7 @@
             <a:fld id="{E287B66F-9891-45E6-8A3A-0EF4098B0646}" type="datetimeFigureOut">
               <a:rPr lang="en-US" smtClean="0"/>
               <a:pPr/>
-              <a:t>3/3/2025</a:t>
+              <a:t>3/4/2025</a:t>
             </a:fld>
             <a:endParaRPr lang="en-GB"/>
           </a:p>
@@ -3031,7 +3037,7 @@
             <a:fld id="{E287B66F-9891-45E6-8A3A-0EF4098B0646}" type="datetimeFigureOut">
               <a:rPr lang="en-US" smtClean="0"/>
               <a:pPr/>
-              <a:t>3/3/2025</a:t>
+              <a:t>3/4/2025</a:t>
             </a:fld>
             <a:endParaRPr lang="en-GB"/>
           </a:p>
@@ -3282,7 +3288,7 @@
             <a:fld id="{E287B66F-9891-45E6-8A3A-0EF4098B0646}" type="datetimeFigureOut">
               <a:rPr lang="en-US" smtClean="0"/>
               <a:pPr/>
-              <a:t>3/3/2025</a:t>
+              <a:t>3/4/2025</a:t>
             </a:fld>
             <a:endParaRPr lang="en-GB"/>
           </a:p>
@@ -3532,7 +3538,7 @@
             <a:fld id="{E287B66F-9891-45E6-8A3A-0EF4098B0646}" type="datetimeFigureOut">
               <a:rPr lang="en-US" smtClean="0"/>
               <a:pPr/>
-              <a:t>3/3/2025</a:t>
+              <a:t>3/4/2025</a:t>
             </a:fld>
             <a:endParaRPr lang="en-GB"/>
           </a:p>
@@ -4361,7 +4367,7 @@
             <a:fld id="{E287B66F-9891-45E6-8A3A-0EF4098B0646}" type="datetimeFigureOut">
               <a:rPr lang="en-US" smtClean="0"/>
               <a:pPr/>
-              <a:t>3/3/2025</a:t>
+              <a:t>3/4/2025</a:t>
             </a:fld>
             <a:endParaRPr lang="en-GB"/>
           </a:p>
@@ -4842,6 +4848,98 @@
 </p:sld>
 </file>
 
+<file path=ppt/slides/slide10.xml><?xml version="1.0" encoding="utf-8"?>
+<p:sld xmlns:a="http://schemas.openxmlformats.org/drawingml/2006/main" xmlns:r="http://schemas.openxmlformats.org/officeDocument/2006/relationships" xmlns:p="http://schemas.openxmlformats.org/presentationml/2006/main">
+  <p:cSld>
+    <p:spTree>
+      <p:nvGrpSpPr>
+        <p:cNvPr id="1" name=""/>
+        <p:cNvGrpSpPr/>
+        <p:nvPr/>
+      </p:nvGrpSpPr>
+      <p:grpSpPr>
+        <a:xfrm>
+          <a:off x="0" y="0"/>
+          <a:ext cx="0" cy="0"/>
+          <a:chOff x="0" y="0"/>
+          <a:chExt cx="0" cy="0"/>
+        </a:xfrm>
+      </p:grpSpPr>
+      <p:sp>
+        <p:nvSpPr>
+          <p:cNvPr id="2" name="Title 1">
+            <a:extLst>
+              <a:ext uri="{FF2B5EF4-FFF2-40B4-BE49-F238E27FC236}">
+                <a16:creationId xmlns:a16="http://schemas.microsoft.com/office/drawing/2014/main" id="{642B417F-0BF5-8FA4-0E2F-1AAB935FFED2}"/>
+              </a:ext>
+            </a:extLst>
+          </p:cNvPr>
+          <p:cNvSpPr>
+            <a:spLocks noGrp="1"/>
+          </p:cNvSpPr>
+          <p:nvPr>
+            <p:ph type="title"/>
+          </p:nvPr>
+        </p:nvSpPr>
+        <p:spPr/>
+        <p:txBody>
+          <a:bodyPr/>
+          <a:lstStyle/>
+          <a:p>
+            <a:pPr algn="ctr"/>
+            <a:r>
+              <a:rPr lang="en-GB" dirty="0"/>
+              <a:t>THANK YOU</a:t>
+            </a:r>
+            <a:endParaRPr lang="en-IN" dirty="0"/>
+          </a:p>
+        </p:txBody>
+      </p:sp>
+      <p:sp>
+        <p:nvSpPr>
+          <p:cNvPr id="3" name="Content Placeholder 2">
+            <a:extLst>
+              <a:ext uri="{FF2B5EF4-FFF2-40B4-BE49-F238E27FC236}">
+                <a16:creationId xmlns:a16="http://schemas.microsoft.com/office/drawing/2014/main" id="{86AA7A2B-9D05-6452-2F0F-E14E68DEB16F}"/>
+              </a:ext>
+            </a:extLst>
+          </p:cNvPr>
+          <p:cNvSpPr>
+            <a:spLocks noGrp="1"/>
+          </p:cNvSpPr>
+          <p:nvPr>
+            <p:ph idx="1"/>
+          </p:nvPr>
+        </p:nvSpPr>
+        <p:spPr/>
+        <p:txBody>
+          <a:bodyPr/>
+          <a:lstStyle/>
+          <a:p>
+            <a:pPr marL="109728" indent="0">
+              <a:buNone/>
+            </a:pPr>
+            <a:r>
+              <a:rPr lang="en-GB" dirty="0"/>
+              <a:t>Questions?</a:t>
+            </a:r>
+            <a:endParaRPr lang="en-IN" dirty="0"/>
+          </a:p>
+        </p:txBody>
+      </p:sp>
+    </p:spTree>
+    <p:extLst>
+      <p:ext uri="{BB962C8B-B14F-4D97-AF65-F5344CB8AC3E}">
+        <p14:creationId xmlns:p14="http://schemas.microsoft.com/office/powerpoint/2010/main" val="4224446771"/>
+      </p:ext>
+    </p:extLst>
+  </p:cSld>
+  <p:clrMapOvr>
+    <a:masterClrMapping/>
+  </p:clrMapOvr>
+</p:sld>
+</file>
+
 <file path=ppt/slides/slide2.xml><?xml version="1.0" encoding="utf-8"?>
 <p:sld xmlns:a="http://schemas.openxmlformats.org/drawingml/2006/main" xmlns:r="http://schemas.openxmlformats.org/officeDocument/2006/relationships" xmlns:p="http://schemas.openxmlformats.org/presentationml/2006/main">
   <p:cSld>
@@ -5845,7 +5943,7 @@
             </a:r>
             <a:r>
               <a:rPr lang="en-GB" dirty="0"/>
-              <a:t>, or data version control (DVC), which log each version of the model, including changes in code, data, and hyperparameters to ensure reproducibility and traceability</a:t>
+              <a:t>, or Data Version Control (DVC), which log each version of the model, including changes in code, data, and hyperparameters to ensure reproducibility and traceability</a:t>
             </a:r>
             <a:endParaRPr lang="en-IN" dirty="0"/>
           </a:p>
@@ -6046,7 +6144,9 @@
         </p:nvSpPr>
         <p:spPr/>
         <p:txBody>
-          <a:bodyPr/>
+          <a:bodyPr>
+            <a:normAutofit lnSpcReduction="10000"/>
+          </a:bodyPr>
           <a:lstStyle/>
           <a:p>
             <a:r>
@@ -6057,7 +6157,35 @@
           <a:p>
             <a:r>
               <a:rPr lang="en-GB" dirty="0"/>
-              <a:t>To identify when retraining is required, it tracks accuracy (compares model predictions to actual outcomes on new data in real-time), latency (monitors how fast the model responds to requests), and data drift (detects by comparing current input data distributions with the training data to identify changes)</a:t>
+              <a:t>To identify when retraining is required, it tracks </a:t>
+            </a:r>
+          </a:p>
+          <a:p>
+            <a:pPr lvl="1"/>
+            <a:r>
+              <a:rPr lang="en-GB" dirty="0"/>
+              <a:t>Accuracy - Compares model predictions to actual outcomes on new data in real-time</a:t>
+            </a:r>
+          </a:p>
+          <a:p>
+            <a:pPr lvl="1"/>
+            <a:r>
+              <a:rPr lang="en-GB" dirty="0"/>
+              <a:t>Latency - Monitors how fast the model responds to requests</a:t>
+            </a:r>
+          </a:p>
+          <a:p>
+            <a:pPr lvl="1"/>
+            <a:r>
+              <a:rPr lang="en-GB" dirty="0"/>
+              <a:t>Concept Drift - Detects change in the relationship between data inputs and outputs over time</a:t>
+            </a:r>
+          </a:p>
+          <a:p>
+            <a:pPr lvl="1"/>
+            <a:r>
+              <a:rPr lang="en-GB" dirty="0"/>
+              <a:t>Data Drift - Detects by comparing current input data distributions with the training data to identify changes</a:t>
             </a:r>
             <a:endParaRPr lang="en-IN" dirty="0"/>
           </a:p>
